--- a/projeto_MPEI_pitch.pptx
+++ b/projeto_MPEI_pitch.pptx
@@ -19227,7 +19227,7 @@
               <a:t>subestimamos</a:t>
             </a:r>
             <a:r>
-              <a:rPr lang="en-GB" sz="2400"/>
+              <a:rPr lang="en-GB" sz="2400" dirty="0"/>
               <a:t>.</a:t>
             </a:r>
             <a:endParaRPr lang="en-PT" sz="2400" dirty="0"/>
